--- a/models-comp-comm/documents/instruction-set-architecture.pptx
+++ b/models-comp-comm/documents/instruction-set-architecture.pptx
@@ -1685,7 +1685,7 @@
         </p:nvSpPr>
         <p:spPr>
           <a:xfrm>
-            <a:off x="381300" y="685800"/>
+            <a:off x="381000" y="685800"/>
             <a:ext cx="6096000" cy="3429000"/>
           </a:xfrm>
           <a:custGeom>
@@ -9576,10 +9576,10 @@
               <a:buNone/>
             </a:pPr>
             <a:r>
-              <a:rPr lang="en"/>
+              <a:rPr lang="en" dirty="0"/>
               <a:t>x86</a:t>
             </a:r>
-            <a:endParaRPr/>
+            <a:endParaRPr dirty="0"/>
           </a:p>
         </p:txBody>
       </p:sp>
@@ -9818,10 +9818,10 @@
               <a:buNone/>
             </a:pPr>
             <a:r>
-              <a:rPr lang="en" sz="1200"/>
+              <a:rPr lang="en" sz="1200" dirty="0"/>
               <a:t>AMD</a:t>
             </a:r>
-            <a:endParaRPr sz="1000"/>
+            <a:endParaRPr sz="1000" dirty="0"/>
           </a:p>
         </p:txBody>
       </p:sp>
@@ -15493,13 +15493,13 @@
               <a:buChar char="○"/>
             </a:pPr>
             <a:r>
-              <a:rPr lang="en" sz="1200" dirty="0" err="1">
+              <a:rPr lang="en" sz="1200">
                 <a:latin typeface="Source Code Pro"/>
                 <a:ea typeface="Source Code Pro"/>
                 <a:cs typeface="Source Code Pro"/>
                 <a:sym typeface="Source Code Pro"/>
               </a:rPr>
-              <a:t>srl</a:t>
+              <a:t>srl  </a:t>
             </a:r>
             <a:r>
               <a:rPr lang="en" sz="1200" dirty="0">
@@ -15508,7 +15508,7 @@
                 <a:cs typeface="Source Code Pro"/>
                 <a:sym typeface="Source Code Pro"/>
               </a:rPr>
-              <a:t>  $a0, $a1, $a2    #  $a0 = $a1 &gt;&gt;&gt; $a2</a:t>
+              <a:t>$a0, $a1, 4     #  $a0 = $a1 &gt;&gt;&gt; 4</a:t>
             </a:r>
             <a:endParaRPr sz="1200" dirty="0">
               <a:latin typeface="Source Code Pro"/>
@@ -15741,13 +15741,13 @@
               <a:buChar char="○"/>
             </a:pPr>
             <a:r>
-              <a:rPr lang="en" sz="1200" dirty="0" err="1">
+              <a:rPr lang="en-US" sz="1200" dirty="0">
                 <a:latin typeface="Source Code Pro"/>
                 <a:ea typeface="Source Code Pro"/>
                 <a:cs typeface="Source Code Pro"/>
                 <a:sym typeface="Source Code Pro"/>
               </a:rPr>
-              <a:t>jal</a:t>
+              <a:t>j</a:t>
             </a:r>
             <a:r>
               <a:rPr lang="en" sz="1200" dirty="0">
@@ -15756,7 +15756,7 @@
                 <a:cs typeface="Source Code Pro"/>
                 <a:sym typeface="Source Code Pro"/>
               </a:rPr>
-              <a:t>	proc       # proc()</a:t>
+              <a:t>al  proc             # method()</a:t>
             </a:r>
             <a:endParaRPr sz="1200" dirty="0">
               <a:latin typeface="Source Code Pro"/>

--- a/models-comp-comm/documents/instruction-set-architecture.pptx
+++ b/models-comp-comm/documents/instruction-set-architecture.pptx
@@ -1061,7 +1061,7 @@
         </p:nvSpPr>
         <p:spPr>
           <a:xfrm>
-            <a:off x="381300" y="685800"/>
+            <a:off x="381000" y="685800"/>
             <a:ext cx="6096000" cy="3429000"/>
           </a:xfrm>
           <a:custGeom>
@@ -1332,7 +1332,7 @@
               </a:spcAft>
               <a:buNone/>
             </a:pPr>
-            <a:endParaRPr/>
+            <a:endParaRPr dirty="0"/>
           </a:p>
         </p:txBody>
       </p:sp>
@@ -1644,7 +1644,7 @@
               </a:spcAft>
               <a:buNone/>
             </a:pPr>
-            <a:endParaRPr/>
+            <a:endParaRPr dirty="0"/>
           </a:p>
         </p:txBody>
       </p:sp>
@@ -1852,7 +1852,7 @@
               </a:spcAft>
               <a:buNone/>
             </a:pPr>
-            <a:endParaRPr/>
+            <a:endParaRPr dirty="0"/>
           </a:p>
         </p:txBody>
       </p:sp>
@@ -6810,7 +6810,7 @@
               <a:buNone/>
             </a:pPr>
             <a:r>
-              <a:rPr lang="en" sz="1162">
+              <a:rPr lang="en" sz="1162" dirty="0">
                 <a:solidFill>
                   <a:srgbClr val="A626A4"/>
                 </a:solidFill>
@@ -6825,7 +6825,7 @@
               <a:t>class</a:t>
             </a:r>
             <a:r>
-              <a:rPr lang="en" sz="1162">
+              <a:rPr lang="en" sz="1162" dirty="0">
                 <a:solidFill>
                   <a:srgbClr val="383A42"/>
                 </a:solidFill>
@@ -6840,7 +6840,7 @@
               <a:t> </a:t>
             </a:r>
             <a:r>
-              <a:rPr lang="en" sz="1162">
+              <a:rPr lang="en" sz="1162" dirty="0">
                 <a:solidFill>
                   <a:srgbClr val="C18401"/>
                 </a:solidFill>
@@ -6855,7 +6855,7 @@
               <a:t>Main</a:t>
             </a:r>
             <a:r>
-              <a:rPr lang="en" sz="1162">
+              <a:rPr lang="en" sz="1162" dirty="0">
                 <a:solidFill>
                   <a:srgbClr val="383A42"/>
                 </a:solidFill>
@@ -6870,7 +6870,7 @@
               <a:t> {</a:t>
             </a:r>
             <a:br>
-              <a:rPr lang="en" sz="1162">
+              <a:rPr lang="en" sz="1162" dirty="0">
                 <a:solidFill>
                   <a:srgbClr val="383A42"/>
                 </a:solidFill>
@@ -6884,7 +6884,7 @@
               </a:rPr>
             </a:br>
             <a:r>
-              <a:rPr lang="en" sz="1162">
+              <a:rPr lang="en" sz="1162" dirty="0">
                 <a:solidFill>
                   <a:srgbClr val="383A42"/>
                 </a:solidFill>
@@ -6899,7 +6899,7 @@
               <a:t> </a:t>
             </a:r>
             <a:br>
-              <a:rPr lang="en" sz="1162">
+              <a:rPr lang="en" sz="1162" dirty="0">
                 <a:solidFill>
                   <a:srgbClr val="383A42"/>
                 </a:solidFill>
@@ -6913,7 +6913,7 @@
               </a:rPr>
             </a:br>
             <a:r>
-              <a:rPr lang="en" sz="1162">
+              <a:rPr lang="en" sz="1162" dirty="0">
                 <a:solidFill>
                   <a:srgbClr val="383A42"/>
                 </a:solidFill>
@@ -6928,7 +6928,7 @@
               <a:t> public static int x = 5;</a:t>
             </a:r>
             <a:br>
-              <a:rPr lang="en" sz="1162">
+              <a:rPr lang="en" sz="1162" dirty="0">
                 <a:solidFill>
                   <a:srgbClr val="383A42"/>
                 </a:solidFill>
@@ -6942,7 +6942,7 @@
               </a:rPr>
             </a:br>
             <a:r>
-              <a:rPr lang="en" sz="1162">
+              <a:rPr lang="en" sz="1162" dirty="0">
                 <a:solidFill>
                   <a:srgbClr val="383A42"/>
                 </a:solidFill>
@@ -6957,7 +6957,7 @@
               <a:t> int y = 7;</a:t>
             </a:r>
             <a:br>
-              <a:rPr lang="en" sz="1162">
+              <a:rPr lang="en" sz="1162" dirty="0">
                 <a:solidFill>
                   <a:srgbClr val="383A42"/>
                 </a:solidFill>
@@ -6971,7 +6971,7 @@
               </a:rPr>
             </a:br>
             <a:br>
-              <a:rPr lang="en" sz="1162">
+              <a:rPr lang="en" sz="1162" dirty="0">
                 <a:solidFill>
                   <a:srgbClr val="383A42"/>
                 </a:solidFill>
@@ -6985,7 +6985,7 @@
               </a:rPr>
             </a:br>
             <a:r>
-              <a:rPr lang="en" sz="1162">
+              <a:rPr lang="en" sz="1162" dirty="0">
                 <a:solidFill>
                   <a:srgbClr val="383A42"/>
                 </a:solidFill>
@@ -7000,7 +7000,7 @@
               <a:t> </a:t>
             </a:r>
             <a:r>
-              <a:rPr lang="en" sz="1162">
+              <a:rPr lang="en" sz="1162" dirty="0">
                 <a:solidFill>
                   <a:srgbClr val="A626A4"/>
                 </a:solidFill>
@@ -7015,7 +7015,7 @@
               <a:t>public</a:t>
             </a:r>
             <a:r>
-              <a:rPr lang="en" sz="1162">
+              <a:rPr lang="en" sz="1162" dirty="0">
                 <a:solidFill>
                   <a:srgbClr val="383A42"/>
                 </a:solidFill>
@@ -7030,7 +7030,7 @@
               <a:t> </a:t>
             </a:r>
             <a:r>
-              <a:rPr lang="en" sz="1162">
+              <a:rPr lang="en" sz="1162" dirty="0">
                 <a:solidFill>
                   <a:srgbClr val="A626A4"/>
                 </a:solidFill>
@@ -7045,7 +7045,7 @@
               <a:t>int</a:t>
             </a:r>
             <a:r>
-              <a:rPr lang="en" sz="1162">
+              <a:rPr lang="en" sz="1162" dirty="0">
                 <a:solidFill>
                   <a:srgbClr val="383A42"/>
                 </a:solidFill>
@@ -7060,7 +7060,7 @@
               <a:t> </a:t>
             </a:r>
             <a:r>
-              <a:rPr lang="en" sz="1162">
+              <a:rPr lang="en" sz="1162" dirty="0" err="1">
                 <a:solidFill>
                   <a:srgbClr val="4078F2"/>
                 </a:solidFill>
@@ -7075,7 +7075,7 @@
               <a:t>addNumbers</a:t>
             </a:r>
             <a:r>
-              <a:rPr lang="en" sz="1162">
+              <a:rPr lang="en" sz="1162" dirty="0">
                 <a:solidFill>
                   <a:srgbClr val="383A42"/>
                 </a:solidFill>
@@ -7090,7 +7090,7 @@
               <a:t>(</a:t>
             </a:r>
             <a:r>
-              <a:rPr lang="en" sz="1162">
+              <a:rPr lang="en" sz="1162" dirty="0">
                 <a:solidFill>
                   <a:srgbClr val="A626A4"/>
                 </a:solidFill>
@@ -7105,7 +7105,7 @@
               <a:t>int</a:t>
             </a:r>
             <a:r>
-              <a:rPr lang="en" sz="1162">
+              <a:rPr lang="en" sz="1162" dirty="0">
                 <a:solidFill>
                   <a:srgbClr val="383A42"/>
                 </a:solidFill>
@@ -7120,7 +7120,7 @@
               <a:t> a, </a:t>
             </a:r>
             <a:r>
-              <a:rPr lang="en" sz="1162">
+              <a:rPr lang="en" sz="1162" dirty="0">
                 <a:solidFill>
                   <a:srgbClr val="A626A4"/>
                 </a:solidFill>
@@ -7135,7 +7135,7 @@
               <a:t>int</a:t>
             </a:r>
             <a:r>
-              <a:rPr lang="en" sz="1162">
+              <a:rPr lang="en" sz="1162" dirty="0">
                 <a:solidFill>
                   <a:srgbClr val="383A42"/>
                 </a:solidFill>
@@ -7150,7 +7150,7 @@
               <a:t> b) {</a:t>
             </a:r>
             <a:br>
-              <a:rPr lang="en" sz="1162">
+              <a:rPr lang="en" sz="1162" dirty="0">
                 <a:solidFill>
                   <a:srgbClr val="383A42"/>
                 </a:solidFill>
@@ -7164,7 +7164,7 @@
               </a:rPr>
             </a:br>
             <a:r>
-              <a:rPr lang="en" sz="1162">
+              <a:rPr lang="en" sz="1162" dirty="0">
                 <a:solidFill>
                   <a:srgbClr val="383A42"/>
                 </a:solidFill>
@@ -7179,7 +7179,7 @@
               <a:t>    </a:t>
             </a:r>
             <a:r>
-              <a:rPr lang="en" sz="1162">
+              <a:rPr lang="en" sz="1162" dirty="0">
                 <a:solidFill>
                   <a:srgbClr val="A626A4"/>
                 </a:solidFill>
@@ -7194,7 +7194,7 @@
               <a:t>int</a:t>
             </a:r>
             <a:r>
-              <a:rPr lang="en" sz="1162">
+              <a:rPr lang="en" sz="1162" dirty="0">
                 <a:solidFill>
                   <a:srgbClr val="383A42"/>
                 </a:solidFill>
@@ -7209,7 +7209,7 @@
               <a:t> sum = a + b;</a:t>
             </a:r>
             <a:br>
-              <a:rPr lang="en" sz="1162">
+              <a:rPr lang="en" sz="1162" dirty="0">
                 <a:solidFill>
                   <a:srgbClr val="383A42"/>
                 </a:solidFill>
@@ -7223,7 +7223,7 @@
               </a:rPr>
             </a:br>
             <a:r>
-              <a:rPr lang="en" sz="1162">
+              <a:rPr lang="en" sz="1162" dirty="0">
                 <a:solidFill>
                   <a:srgbClr val="383A42"/>
                 </a:solidFill>
@@ -7238,7 +7238,7 @@
               <a:t>    </a:t>
             </a:r>
             <a:r>
-              <a:rPr lang="en" sz="1162">
+              <a:rPr lang="en" sz="1162" dirty="0">
                 <a:solidFill>
                   <a:srgbClr val="A626A4"/>
                 </a:solidFill>
@@ -7253,7 +7253,7 @@
               <a:t>return</a:t>
             </a:r>
             <a:r>
-              <a:rPr lang="en" sz="1162">
+              <a:rPr lang="en" sz="1162" dirty="0">
                 <a:solidFill>
                   <a:srgbClr val="383A42"/>
                 </a:solidFill>
@@ -7268,7 +7268,7 @@
               <a:t> sum;</a:t>
             </a:r>
             <a:br>
-              <a:rPr lang="en" sz="1162">
+              <a:rPr lang="en" sz="1162" dirty="0">
                 <a:solidFill>
                   <a:srgbClr val="383A42"/>
                 </a:solidFill>
@@ -7282,7 +7282,7 @@
               </a:rPr>
             </a:br>
             <a:r>
-              <a:rPr lang="en" sz="1162">
+              <a:rPr lang="en" sz="1162" dirty="0">
                 <a:solidFill>
                   <a:srgbClr val="383A42"/>
                 </a:solidFill>
@@ -7297,7 +7297,7 @@
               <a:t>  }</a:t>
             </a:r>
             <a:br>
-              <a:rPr lang="en" sz="1162">
+              <a:rPr lang="en" sz="1162" dirty="0">
                 <a:solidFill>
                   <a:srgbClr val="383A42"/>
                 </a:solidFill>
@@ -7311,7 +7311,7 @@
               </a:rPr>
             </a:br>
             <a:br>
-              <a:rPr lang="en" sz="1162">
+              <a:rPr lang="en" sz="1162" dirty="0">
                 <a:solidFill>
                   <a:srgbClr val="383A42"/>
                 </a:solidFill>
@@ -7325,7 +7325,7 @@
               </a:rPr>
             </a:br>
             <a:r>
-              <a:rPr lang="en" sz="1162">
+              <a:rPr lang="en" sz="1162" dirty="0">
                 <a:solidFill>
                   <a:srgbClr val="383A42"/>
                 </a:solidFill>
@@ -7340,7 +7340,7 @@
               <a:t>  </a:t>
             </a:r>
             <a:r>
-              <a:rPr lang="en" sz="1162">
+              <a:rPr lang="en" sz="1162" dirty="0">
                 <a:solidFill>
                   <a:srgbClr val="A626A4"/>
                 </a:solidFill>
@@ -7355,7 +7355,7 @@
               <a:t>public</a:t>
             </a:r>
             <a:r>
-              <a:rPr lang="en" sz="1162">
+              <a:rPr lang="en" sz="1162" dirty="0">
                 <a:solidFill>
                   <a:srgbClr val="383A42"/>
                 </a:solidFill>
@@ -7370,7 +7370,7 @@
               <a:t> </a:t>
             </a:r>
             <a:r>
-              <a:rPr lang="en" sz="1162">
+              <a:rPr lang="en" sz="1162" dirty="0">
                 <a:solidFill>
                   <a:srgbClr val="A626A4"/>
                 </a:solidFill>
@@ -7385,7 +7385,7 @@
               <a:t>static</a:t>
             </a:r>
             <a:r>
-              <a:rPr lang="en" sz="1162">
+              <a:rPr lang="en" sz="1162" dirty="0">
                 <a:solidFill>
                   <a:srgbClr val="383A42"/>
                 </a:solidFill>
@@ -7400,7 +7400,7 @@
               <a:t> </a:t>
             </a:r>
             <a:r>
-              <a:rPr lang="en" sz="1162">
+              <a:rPr lang="en" sz="1162" dirty="0">
                 <a:solidFill>
                   <a:srgbClr val="A626A4"/>
                 </a:solidFill>
@@ -7415,7 +7415,7 @@
               <a:t>void</a:t>
             </a:r>
             <a:r>
-              <a:rPr lang="en" sz="1162">
+              <a:rPr lang="en" sz="1162" dirty="0">
                 <a:solidFill>
                   <a:srgbClr val="383A42"/>
                 </a:solidFill>
@@ -7430,7 +7430,7 @@
               <a:t> </a:t>
             </a:r>
             <a:r>
-              <a:rPr lang="en" sz="1162">
+              <a:rPr lang="en" sz="1162" dirty="0">
                 <a:solidFill>
                   <a:srgbClr val="4078F2"/>
                 </a:solidFill>
@@ -7445,7 +7445,7 @@
               <a:t>main</a:t>
             </a:r>
             <a:r>
-              <a:rPr lang="en" sz="1162">
+              <a:rPr lang="en" sz="1162" dirty="0">
                 <a:solidFill>
                   <a:srgbClr val="383A42"/>
                 </a:solidFill>
@@ -7457,10 +7457,40 @@
                 <a:cs typeface="Source Code Pro"/>
                 <a:sym typeface="Source Code Pro"/>
               </a:rPr>
-              <a:t>(String[] args) {</a:t>
+              <a:t>(String[] </a:t>
+            </a:r>
+            <a:r>
+              <a:rPr lang="en" sz="1162" dirty="0" err="1">
+                <a:solidFill>
+                  <a:srgbClr val="383A42"/>
+                </a:solidFill>
+                <a:highlight>
+                  <a:srgbClr val="F5F5F5"/>
+                </a:highlight>
+                <a:latin typeface="Source Code Pro"/>
+                <a:ea typeface="Source Code Pro"/>
+                <a:cs typeface="Source Code Pro"/>
+                <a:sym typeface="Source Code Pro"/>
+              </a:rPr>
+              <a:t>args</a:t>
+            </a:r>
+            <a:r>
+              <a:rPr lang="en" sz="1162" dirty="0">
+                <a:solidFill>
+                  <a:srgbClr val="383A42"/>
+                </a:solidFill>
+                <a:highlight>
+                  <a:srgbClr val="F5F5F5"/>
+                </a:highlight>
+                <a:latin typeface="Source Code Pro"/>
+                <a:ea typeface="Source Code Pro"/>
+                <a:cs typeface="Source Code Pro"/>
+                <a:sym typeface="Source Code Pro"/>
+              </a:rPr>
+              <a:t>) {</a:t>
             </a:r>
             <a:br>
-              <a:rPr lang="en" sz="1162">
+              <a:rPr lang="en" sz="1162" dirty="0">
                 <a:solidFill>
                   <a:srgbClr val="383A42"/>
                 </a:solidFill>
@@ -7474,7 +7504,7 @@
               </a:rPr>
             </a:br>
             <a:r>
-              <a:rPr lang="en" sz="1162">
+              <a:rPr lang="en" sz="1162" dirty="0">
                 <a:solidFill>
                   <a:srgbClr val="383A42"/>
                 </a:solidFill>
@@ -7489,7 +7519,7 @@
               <a:t>       </a:t>
             </a:r>
             <a:r>
-              <a:rPr lang="en" sz="1162">
+              <a:rPr lang="en" sz="1162" dirty="0">
                 <a:solidFill>
                   <a:srgbClr val="A626A4"/>
                 </a:solidFill>
@@ -7504,7 +7534,7 @@
               <a:t>int</a:t>
             </a:r>
             <a:r>
-              <a:rPr lang="en" sz="1162">
+              <a:rPr lang="en" sz="1162" dirty="0">
                 <a:solidFill>
                   <a:srgbClr val="383A42"/>
                 </a:solidFill>
@@ -7519,7 +7549,7 @@
               <a:t> num1 = </a:t>
             </a:r>
             <a:r>
-              <a:rPr lang="en" sz="1162">
+              <a:rPr lang="en" sz="1162" dirty="0">
                 <a:solidFill>
                   <a:srgbClr val="986801"/>
                 </a:solidFill>
@@ -7534,7 +7564,7 @@
               <a:t>25</a:t>
             </a:r>
             <a:r>
-              <a:rPr lang="en" sz="1162">
+              <a:rPr lang="en" sz="1162" dirty="0">
                 <a:solidFill>
                   <a:srgbClr val="383A42"/>
                 </a:solidFill>
@@ -7549,7 +7579,7 @@
               <a:t>;</a:t>
             </a:r>
             <a:br>
-              <a:rPr lang="en" sz="1162">
+              <a:rPr lang="en" sz="1162" dirty="0">
                 <a:solidFill>
                   <a:srgbClr val="383A42"/>
                 </a:solidFill>
@@ -7563,7 +7593,7 @@
               </a:rPr>
             </a:br>
             <a:r>
-              <a:rPr lang="en" sz="1162">
+              <a:rPr lang="en" sz="1162" dirty="0">
                 <a:solidFill>
                   <a:srgbClr val="383A42"/>
                 </a:solidFill>
@@ -7578,7 +7608,7 @@
               <a:t>       </a:t>
             </a:r>
             <a:r>
-              <a:rPr lang="en" sz="1162">
+              <a:rPr lang="en" sz="1162" dirty="0">
                 <a:solidFill>
                   <a:srgbClr val="A626A4"/>
                 </a:solidFill>
@@ -7593,7 +7623,7 @@
               <a:t>int</a:t>
             </a:r>
             <a:r>
-              <a:rPr lang="en" sz="1162">
+              <a:rPr lang="en" sz="1162" dirty="0">
                 <a:solidFill>
                   <a:srgbClr val="383A42"/>
                 </a:solidFill>
@@ -7608,7 +7638,7 @@
               <a:t> num2 = </a:t>
             </a:r>
             <a:r>
-              <a:rPr lang="en" sz="1162">
+              <a:rPr lang="en" sz="1162" dirty="0">
                 <a:solidFill>
                   <a:srgbClr val="986801"/>
                 </a:solidFill>
@@ -7623,7 +7653,7 @@
               <a:t>15</a:t>
             </a:r>
             <a:r>
-              <a:rPr lang="en" sz="1162">
+              <a:rPr lang="en" sz="1162" dirty="0">
                 <a:solidFill>
                   <a:srgbClr val="383A42"/>
                 </a:solidFill>
@@ -7638,7 +7668,7 @@
               <a:t>;</a:t>
             </a:r>
             <a:br>
-              <a:rPr lang="en" sz="1162">
+              <a:rPr lang="en" sz="1162" dirty="0">
                 <a:solidFill>
                   <a:srgbClr val="383A42"/>
                 </a:solidFill>
@@ -7652,7 +7682,7 @@
               </a:rPr>
             </a:br>
             <a:br>
-              <a:rPr lang="en" sz="1162">
+              <a:rPr lang="en" sz="1162" dirty="0">
                 <a:solidFill>
                   <a:srgbClr val="383A42"/>
                 </a:solidFill>
@@ -7666,7 +7696,7 @@
               </a:rPr>
             </a:br>
             <a:r>
-              <a:rPr lang="en" sz="1162">
+              <a:rPr lang="en" sz="1162" dirty="0">
                 <a:solidFill>
                   <a:srgbClr val="383A42"/>
                 </a:solidFill>
@@ -7681,7 +7711,7 @@
               <a:t>   </a:t>
             </a:r>
             <a:r>
-              <a:rPr lang="en" sz="1162">
+              <a:rPr lang="en" sz="1162" dirty="0">
                 <a:solidFill>
                   <a:srgbClr val="A0A1A7"/>
                 </a:solidFill>
@@ -7696,7 +7726,7 @@
               <a:t>// create an object of Main</a:t>
             </a:r>
             <a:br>
-              <a:rPr lang="en" sz="1162">
+              <a:rPr lang="en" sz="1162" dirty="0">
                 <a:solidFill>
                   <a:srgbClr val="383A42"/>
                 </a:solidFill>
@@ -7710,7 +7740,7 @@
               </a:rPr>
             </a:br>
             <a:r>
-              <a:rPr lang="en" sz="1162">
+              <a:rPr lang="en" sz="1162" dirty="0">
                 <a:solidFill>
                   <a:srgbClr val="383A42"/>
                 </a:solidFill>
@@ -7725,7 +7755,7 @@
               <a:t>    Main obj = </a:t>
             </a:r>
             <a:r>
-              <a:rPr lang="en" sz="1162">
+              <a:rPr lang="en" sz="1162" dirty="0">
                 <a:solidFill>
                   <a:srgbClr val="A626A4"/>
                 </a:solidFill>
@@ -7740,7 +7770,7 @@
               <a:t>new</a:t>
             </a:r>
             <a:r>
-              <a:rPr lang="en" sz="1162">
+              <a:rPr lang="en" sz="1162" dirty="0">
                 <a:solidFill>
                   <a:srgbClr val="383A42"/>
                 </a:solidFill>
@@ -7755,7 +7785,7 @@
               <a:t> Main();</a:t>
             </a:r>
             <a:br>
-              <a:rPr lang="en" sz="1162">
+              <a:rPr lang="en" sz="1162" dirty="0">
                 <a:solidFill>
                   <a:srgbClr val="383A42"/>
                 </a:solidFill>
@@ -7769,7 +7799,7 @@
               </a:rPr>
             </a:br>
             <a:r>
-              <a:rPr lang="en" sz="1162">
+              <a:rPr lang="en" sz="1162" dirty="0">
                 <a:solidFill>
                   <a:srgbClr val="383A42"/>
                 </a:solidFill>
@@ -7784,7 +7814,7 @@
               <a:t>    </a:t>
             </a:r>
             <a:r>
-              <a:rPr lang="en" sz="1162">
+              <a:rPr lang="en" sz="1162" dirty="0">
                 <a:solidFill>
                   <a:srgbClr val="A626A4"/>
                 </a:solidFill>
@@ -7799,7 +7829,7 @@
               <a:t>int</a:t>
             </a:r>
             <a:r>
-              <a:rPr lang="en" sz="1162">
+              <a:rPr lang="en" sz="1162" dirty="0">
                 <a:solidFill>
                   <a:srgbClr val="383A42"/>
                 </a:solidFill>
@@ -7811,10 +7841,40 @@
                 <a:cs typeface="Source Code Pro"/>
                 <a:sym typeface="Source Code Pro"/>
               </a:rPr>
-              <a:t> result = obj.addNumbers(num1, num2);</a:t>
+              <a:t> result = </a:t>
+            </a:r>
+            <a:r>
+              <a:rPr lang="en" sz="1162" dirty="0" err="1">
+                <a:solidFill>
+                  <a:srgbClr val="383A42"/>
+                </a:solidFill>
+                <a:highlight>
+                  <a:srgbClr val="F5F5F5"/>
+                </a:highlight>
+                <a:latin typeface="Source Code Pro"/>
+                <a:ea typeface="Source Code Pro"/>
+                <a:cs typeface="Source Code Pro"/>
+                <a:sym typeface="Source Code Pro"/>
+              </a:rPr>
+              <a:t>obj.addNumbers</a:t>
+            </a:r>
+            <a:r>
+              <a:rPr lang="en" sz="1162" dirty="0">
+                <a:solidFill>
+                  <a:srgbClr val="383A42"/>
+                </a:solidFill>
+                <a:highlight>
+                  <a:srgbClr val="F5F5F5"/>
+                </a:highlight>
+                <a:latin typeface="Source Code Pro"/>
+                <a:ea typeface="Source Code Pro"/>
+                <a:cs typeface="Source Code Pro"/>
+                <a:sym typeface="Source Code Pro"/>
+              </a:rPr>
+              <a:t>(num1, num2);</a:t>
             </a:r>
             <a:br>
-              <a:rPr lang="en" sz="1162">
+              <a:rPr lang="en" sz="1162" dirty="0">
                 <a:solidFill>
                   <a:srgbClr val="383A42"/>
                 </a:solidFill>
@@ -7828,7 +7888,7 @@
               </a:rPr>
             </a:br>
             <a:r>
-              <a:rPr lang="en" sz="1162">
+              <a:rPr lang="en" sz="1162" dirty="0">
                 <a:solidFill>
                   <a:srgbClr val="383A42"/>
                 </a:solidFill>
@@ -7840,10 +7900,40 @@
                 <a:cs typeface="Source Code Pro"/>
                 <a:sym typeface="Source Code Pro"/>
               </a:rPr>
-              <a:t>    System.out.println(</a:t>
-            </a:r>
-            <a:r>
-              <a:rPr lang="en" sz="1162">
+              <a:t>    </a:t>
+            </a:r>
+            <a:r>
+              <a:rPr lang="en" sz="1162" dirty="0" err="1">
+                <a:solidFill>
+                  <a:srgbClr val="383A42"/>
+                </a:solidFill>
+                <a:highlight>
+                  <a:srgbClr val="F5F5F5"/>
+                </a:highlight>
+                <a:latin typeface="Source Code Pro"/>
+                <a:ea typeface="Source Code Pro"/>
+                <a:cs typeface="Source Code Pro"/>
+                <a:sym typeface="Source Code Pro"/>
+              </a:rPr>
+              <a:t>System.out.println</a:t>
+            </a:r>
+            <a:r>
+              <a:rPr lang="en" sz="1162" dirty="0">
+                <a:solidFill>
+                  <a:srgbClr val="383A42"/>
+                </a:solidFill>
+                <a:highlight>
+                  <a:srgbClr val="F5F5F5"/>
+                </a:highlight>
+                <a:latin typeface="Source Code Pro"/>
+                <a:ea typeface="Source Code Pro"/>
+                <a:cs typeface="Source Code Pro"/>
+                <a:sym typeface="Source Code Pro"/>
+              </a:rPr>
+              <a:t>(</a:t>
+            </a:r>
+            <a:r>
+              <a:rPr lang="en" sz="1162" dirty="0">
                 <a:solidFill>
                   <a:srgbClr val="50A14F"/>
                 </a:solidFill>
@@ -7858,7 +7948,7 @@
               <a:t>"Sum is: "</a:t>
             </a:r>
             <a:r>
-              <a:rPr lang="en" sz="1162">
+              <a:rPr lang="en" sz="1162" dirty="0">
                 <a:solidFill>
                   <a:srgbClr val="383A42"/>
                 </a:solidFill>
@@ -7873,7 +7963,7 @@
               <a:t> + result);</a:t>
             </a:r>
             <a:br>
-              <a:rPr lang="en" sz="1162">
+              <a:rPr lang="en" sz="1162" dirty="0">
                 <a:solidFill>
                   <a:srgbClr val="383A42"/>
                 </a:solidFill>
@@ -7887,7 +7977,7 @@
               </a:rPr>
             </a:br>
             <a:r>
-              <a:rPr lang="en" sz="1162">
+              <a:rPr lang="en" sz="1162" dirty="0">
                 <a:solidFill>
                   <a:srgbClr val="383A42"/>
                 </a:solidFill>
@@ -7902,7 +7992,7 @@
               <a:t>  }</a:t>
             </a:r>
             <a:br>
-              <a:rPr lang="en" sz="1162">
+              <a:rPr lang="en" sz="1162" dirty="0">
                 <a:solidFill>
                   <a:srgbClr val="383A42"/>
                 </a:solidFill>
@@ -7916,7 +8006,7 @@
               </a:rPr>
             </a:br>
             <a:r>
-              <a:rPr lang="en" sz="1162">
+              <a:rPr lang="en" sz="1162" dirty="0">
                 <a:solidFill>
                   <a:srgbClr val="383A42"/>
                 </a:solidFill>
@@ -7930,7 +8020,7 @@
               </a:rPr>
               <a:t>}</a:t>
             </a:r>
-            <a:endParaRPr sz="1350">
+            <a:endParaRPr sz="1350" dirty="0">
               <a:latin typeface="Source Code Pro"/>
               <a:ea typeface="Source Code Pro"/>
               <a:cs typeface="Source Code Pro"/>
@@ -9591,7 +9681,7 @@
         </p:nvSpPr>
         <p:spPr>
           <a:xfrm>
-            <a:off x="7359744" y="3943625"/>
+            <a:off x="7362454" y="3940685"/>
             <a:ext cx="1102500" cy="430200"/>
           </a:xfrm>
           <a:prstGeom prst="rect">
@@ -12832,11 +12922,17 @@
         <p:nvGraphicFramePr>
           <p:cNvPr id="148" name="Google Shape;148;p18"/>
           <p:cNvGraphicFramePr/>
-          <p:nvPr/>
+          <p:nvPr>
+            <p:extLst>
+              <p:ext uri="{D42A27DB-BD31-4B8C-83A1-F6EECF244321}">
+                <p14:modId xmlns:p14="http://schemas.microsoft.com/office/powerpoint/2010/main" val="4018143029"/>
+              </p:ext>
+            </p:extLst>
+          </p:nvPr>
         </p:nvGraphicFramePr>
         <p:xfrm>
-          <a:off x="483175" y="2339200"/>
-          <a:ext cx="7643700" cy="2682190"/>
+          <a:off x="453081" y="2339200"/>
+          <a:ext cx="7673794" cy="2682190"/>
         </p:xfrm>
         <a:graphic>
           <a:graphicData uri="http://schemas.openxmlformats.org/drawingml/2006/table">
@@ -12846,7 +12942,7 @@
                 <a:tableStyleId>{78D6E2FC-F025-48D8-A6CF-72C42F51AEF4}</a:tableStyleId>
               </a:tblPr>
               <a:tblGrid>
-                <a:gridCol w="935025">
+                <a:gridCol w="965119">
                   <a:extLst>
                     <a:ext uri="{9D8B030D-6E8A-4147-A177-3AD203B41FA5}">
                       <a16:colId xmlns:a16="http://schemas.microsoft.com/office/drawing/2014/main" val="20000"/>
@@ -12926,10 +13022,10 @@
                         <a:buNone/>
                       </a:pPr>
                       <a:r>
-                        <a:rPr lang="en" sz="1300"/>
+                        <a:rPr lang="en" sz="1200" dirty="0"/>
                         <a:t>Instruction</a:t>
                       </a:r>
-                      <a:endParaRPr sz="1300"/>
+                      <a:endParaRPr sz="1300" dirty="0"/>
                     </a:p>
                   </a:txBody>
                   <a:tcPr marL="91425" marR="91425" marT="91425" marB="91425"/>
@@ -15142,10 +15238,10 @@
                         <a:buNone/>
                       </a:pPr>
                       <a:r>
-                        <a:rPr lang="en" sz="1300"/>
+                        <a:rPr lang="en" sz="1300" dirty="0"/>
                         <a:t>Mem</a:t>
                       </a:r>
-                      <a:endParaRPr sz="1300"/>
+                      <a:endParaRPr sz="1300" dirty="0"/>
                     </a:p>
                   </a:txBody>
                   <a:tcPr marL="91425" marR="91425" marT="91425" marB="91425">
@@ -15493,13 +15589,13 @@
               <a:buChar char="○"/>
             </a:pPr>
             <a:r>
-              <a:rPr lang="en" sz="1200">
+              <a:rPr lang="en" sz="1200" dirty="0" err="1">
                 <a:latin typeface="Source Code Pro"/>
                 <a:ea typeface="Source Code Pro"/>
                 <a:cs typeface="Source Code Pro"/>
                 <a:sym typeface="Source Code Pro"/>
               </a:rPr>
-              <a:t>srl  </a:t>
+              <a:t>srl</a:t>
             </a:r>
             <a:r>
               <a:rPr lang="en" sz="1200" dirty="0">
@@ -15508,7 +15604,7 @@
                 <a:cs typeface="Source Code Pro"/>
                 <a:sym typeface="Source Code Pro"/>
               </a:rPr>
-              <a:t>$a0, $a1, 4     #  $a0 = $a1 &gt;&gt;&gt; 4</a:t>
+              <a:t>  $a0, $a1, 4      #  $a0 = $a1 &gt;&gt;&gt; 4</a:t>
             </a:r>
             <a:endParaRPr sz="1200" dirty="0">
               <a:latin typeface="Source Code Pro"/>
